--- a/Working with REST APIs/Working with REST APIs.pptx
+++ b/Working with REST APIs/Working with REST APIs.pptx
@@ -511,7 +511,7 @@
           <a:p>
             <a:fld id="{EC2CC04A-C335-487A-8178-6C90F0F29C95}" type="datetimeFigureOut">
               <a:rPr lang="en-US" smtClean="0"/>
-              <a:t>9/15/2019</a:t>
+              <a:t>10/21/2019</a:t>
             </a:fld>
             <a:endParaRPr lang="en-US"/>
           </a:p>
@@ -15755,12 +15755,8 @@
           </a:p>
           <a:p>
             <a:r>
-              <a:rPr lang="en-US" dirty="0" err="1"/>
-              <a:t>Typicaly</a:t>
-            </a:r>
-            <a:r>
-              <a:rPr lang="en-US" dirty="0"/>
-              <a:t> hierarchal</a:t>
+              <a:rPr lang="en-US" dirty="0"/>
+              <a:t>Typically hierarchal</a:t>
             </a:r>
           </a:p>
           <a:p>
@@ -16463,15 +16459,6 @@
 </file>
 
 <file path=customXml/item2.xml><?xml version="1.0" encoding="utf-8"?>
-<?mso-contentType ?>
-<FormTemplates xmlns="http://schemas.microsoft.com/sharepoint/v3/contenttype/forms">
-  <Display>DocumentLibraryForm</Display>
-  <Edit>DocumentLibraryForm</Edit>
-  <New>DocumentLibraryForm</New>
-</FormTemplates>
-</file>
-
-<file path=customXml/item3.xml><?xml version="1.0" encoding="utf-8"?>
 <ct:contentTypeSchema xmlns:ct="http://schemas.microsoft.com/office/2006/metadata/contentType" xmlns:ma="http://schemas.microsoft.com/office/2006/metadata/properties/metaAttributes" ct:_="" ma:_="" ma:contentTypeName="Document" ma:contentTypeID="0x010100066787FB9552CF40BFF026EAAC52FBCA" ma:contentTypeVersion="11" ma:contentTypeDescription="Create a new document." ma:contentTypeScope="" ma:versionID="2ed11b2951b71aca28e6ba8b18805bb0">
   <xsd:schema xmlns:xsd="http://www.w3.org/2001/XMLSchema" xmlns:xs="http://www.w3.org/2001/XMLSchema" xmlns:p="http://schemas.microsoft.com/office/2006/metadata/properties" xmlns:ns2="0f628621-369a-46c7-83bd-de17ca407533" xmlns:ns3="994c1987-0261-432a-b2ef-a9da39f1b5e2" targetNamespace="http://schemas.microsoft.com/office/2006/metadata/properties" ma:root="true" ma:fieldsID="86e9b361b53a3abe9d7febc1e69b8376" ns2:_="" ns3:_="">
     <xsd:import namespace="0f628621-369a-46c7-83bd-de17ca407533"/>
@@ -16682,6 +16669,15 @@
 </ct:contentTypeSchema>
 </file>
 
+<file path=customXml/item3.xml><?xml version="1.0" encoding="utf-8"?>
+<?mso-contentType ?>
+<FormTemplates xmlns="http://schemas.microsoft.com/sharepoint/v3/contenttype/forms">
+  <Display>DocumentLibraryForm</Display>
+  <Edit>DocumentLibraryForm</Edit>
+  <New>DocumentLibraryForm</New>
+</FormTemplates>
+</file>
+
 <file path=customXml/itemProps1.xml><?xml version="1.0" encoding="utf-8"?>
 <ds:datastoreItem xmlns:ds="http://schemas.openxmlformats.org/officeDocument/2006/customXml" ds:itemID="{AFF96CB3-579C-4369-8AB2-D91B353AC245}">
   <ds:schemaRefs>
@@ -16692,14 +16688,6 @@
 </file>
 
 <file path=customXml/itemProps2.xml><?xml version="1.0" encoding="utf-8"?>
-<ds:datastoreItem xmlns:ds="http://schemas.openxmlformats.org/officeDocument/2006/customXml" ds:itemID="{8F9099B0-B9E3-45A6-848D-7EA25626C078}">
-  <ds:schemaRefs>
-    <ds:schemaRef ds:uri="http://schemas.microsoft.com/sharepoint/v3/contenttype/forms"/>
-  </ds:schemaRefs>
-</ds:datastoreItem>
-</file>
-
-<file path=customXml/itemProps3.xml><?xml version="1.0" encoding="utf-8"?>
 <ds:datastoreItem xmlns:ds="http://schemas.openxmlformats.org/officeDocument/2006/customXml" ds:itemID="{43542BB8-022C-40FE-A268-491142681EB5}">
   <ds:schemaRefs>
     <ds:schemaRef ds:uri="http://schemas.microsoft.com/office/2006/metadata/contentType"/>
@@ -16716,4 +16704,12 @@
     <ds:schemaRef ds:uri="http://schemas.microsoft.com/internal/obd"/>
   </ds:schemaRefs>
 </ds:datastoreItem>
+</file>
+
+<file path=customXml/itemProps3.xml><?xml version="1.0" encoding="utf-8"?>
+<ds:datastoreItem xmlns:ds="http://schemas.openxmlformats.org/officeDocument/2006/customXml" ds:itemID="{8F9099B0-B9E3-45A6-848D-7EA25626C078}">
+  <ds:schemaRefs>
+    <ds:schemaRef ds:uri="http://schemas.microsoft.com/sharepoint/v3/contenttype/forms"/>
+  </ds:schemaRefs>
+</ds:datastoreItem>
 </file>